--- a/template.pptx
+++ b/template.pptx
@@ -9964,10 +9964,10 @@
       </p:sp>
       <p:sp>
         <p:nvSpPr>
-          <p:cNvPr id="7" name="页脚占位符 1">
+          <p:cNvPr id="2" name="页脚占位符 1">
             <a:extLst>
               <a:ext uri="{FF2B5EF4-FFF2-40B4-BE49-F238E27FC236}">
-                <a16:creationId xmlns:a16="http://schemas.microsoft.com/office/drawing/2014/main" id="{88A6C23E-A7B7-5F97-6C33-23F662560961}"/>
+                <a16:creationId xmlns:a16="http://schemas.microsoft.com/office/drawing/2014/main" id="{1E1FAE4F-C3FB-2722-CC44-A7A5439CD480}"/>
               </a:ext>
             </a:extLst>
           </p:cNvPr>
@@ -9979,7 +9979,7 @@
         <p:spPr bwMode="auto">
           <a:xfrm>
             <a:off x="5055607" y="6525344"/>
-            <a:ext cx="2080781" cy="332656"/>
+            <a:ext cx="2336537" cy="332656"/>
           </a:xfrm>
           <a:prstGeom prst="rect">
             <a:avLst/>
@@ -10131,8 +10131,8 @@
               <a:defRPr/>
             </a:pPr>
             <a:r>
-              <a:rPr lang="en-US" altLang="zh-CN"/>
-              <a:t>{{Pages}}/{{totalpages}}</a:t>
+              <a:rPr lang="en-US" altLang="zh-CN" dirty="0"/>
+              <a:t>2 / 125</a:t>
             </a:r>
             <a:endParaRPr lang="en-US" dirty="0"/>
           </a:p>
@@ -11155,10 +11155,10 @@
       </p:sp>
       <p:sp>
         <p:nvSpPr>
-          <p:cNvPr id="7" name="页脚占位符 1">
+          <p:cNvPr id="2" name="页脚占位符 1">
             <a:extLst>
               <a:ext uri="{FF2B5EF4-FFF2-40B4-BE49-F238E27FC236}">
-                <a16:creationId xmlns:a16="http://schemas.microsoft.com/office/drawing/2014/main" id="{746C9B17-DAA3-87A7-84F7-0689B19D3CDF}"/>
+                <a16:creationId xmlns:a16="http://schemas.microsoft.com/office/drawing/2014/main" id="{28416916-EA4A-F5DE-4CA4-97E4B91C0273}"/>
               </a:ext>
             </a:extLst>
           </p:cNvPr>
@@ -11170,7 +11170,7 @@
         <p:spPr bwMode="auto">
           <a:xfrm>
             <a:off x="5055607" y="6525344"/>
-            <a:ext cx="2080781" cy="332656"/>
+            <a:ext cx="2336537" cy="332656"/>
           </a:xfrm>
           <a:prstGeom prst="rect">
             <a:avLst/>
@@ -11322,8 +11322,8 @@
               <a:defRPr/>
             </a:pPr>
             <a:r>
-              <a:rPr lang="en-US" altLang="zh-CN"/>
-              <a:t>{{Pages}}/{{totalpages}}</a:t>
+              <a:rPr lang="en-US" altLang="zh-CN" dirty="0"/>
+              <a:t>3 / 125</a:t>
             </a:r>
             <a:endParaRPr lang="en-US" dirty="0"/>
           </a:p>
@@ -12414,10 +12414,10 @@
       </p:sp>
       <p:sp>
         <p:nvSpPr>
-          <p:cNvPr id="7" name="页脚占位符 1">
+          <p:cNvPr id="2" name="页脚占位符 1">
             <a:extLst>
               <a:ext uri="{FF2B5EF4-FFF2-40B4-BE49-F238E27FC236}">
-                <a16:creationId xmlns:a16="http://schemas.microsoft.com/office/drawing/2014/main" id="{354C2760-1739-7131-FF4F-C10ABB54C84B}"/>
+                <a16:creationId xmlns:a16="http://schemas.microsoft.com/office/drawing/2014/main" id="{78DD0C79-4599-84D8-4FB2-90B2E1548452}"/>
               </a:ext>
             </a:extLst>
           </p:cNvPr>
@@ -12429,7 +12429,7 @@
         <p:spPr bwMode="auto">
           <a:xfrm>
             <a:off x="5055607" y="6525344"/>
-            <a:ext cx="2080781" cy="332656"/>
+            <a:ext cx="2336537" cy="332656"/>
           </a:xfrm>
           <a:prstGeom prst="rect">
             <a:avLst/>
@@ -12581,8 +12581,8 @@
               <a:defRPr/>
             </a:pPr>
             <a:r>
-              <a:rPr lang="en-US" altLang="zh-CN"/>
-              <a:t>{{Pages}}/{{totalpages}}</a:t>
+              <a:rPr lang="en-US" altLang="zh-CN" dirty="0"/>
+              <a:t>4 / 125</a:t>
             </a:r>
             <a:endParaRPr lang="en-US" dirty="0"/>
           </a:p>
@@ -13634,6 +13634,182 @@
               </a:rPr>
               <a:t>[40].Levine A, Stone P, Zhang A. Multistep Inverse Is Not All You Need[C]// Proceedings of the 1st Reinforcement Learning Conference (RL Conference 2024). 2024: 884‑925.</a:t>
             </a:r>
+          </a:p>
+        </p:txBody>
+      </p:sp>
+      <p:sp>
+        <p:nvSpPr>
+          <p:cNvPr id="2" name="页脚占位符 1">
+            <a:extLst>
+              <a:ext uri="{FF2B5EF4-FFF2-40B4-BE49-F238E27FC236}">
+                <a16:creationId xmlns:a16="http://schemas.microsoft.com/office/drawing/2014/main" id="{556BD460-2CDC-DDB8-FD64-FE3C2F91203B}"/>
+              </a:ext>
+            </a:extLst>
+          </p:cNvPr>
+          <p:cNvSpPr txBox="1">
+            <a:spLocks/>
+          </p:cNvSpPr>
+          <p:nvPr/>
+        </p:nvSpPr>
+        <p:spPr bwMode="auto">
+          <a:xfrm>
+            <a:off x="5055607" y="6525344"/>
+            <a:ext cx="2336537" cy="332656"/>
+          </a:xfrm>
+          <a:prstGeom prst="rect">
+            <a:avLst/>
+          </a:prstGeom>
+          <a:noFill/>
+          <a:ln w="9525">
+            <a:noFill/>
+            <a:miter lim="800000"/>
+            <a:headEnd/>
+            <a:tailEnd/>
+          </a:ln>
+          <a:effectLst/>
+        </p:spPr>
+        <p:txBody>
+          <a:bodyPr vert="horz" wrap="square" lIns="91440" tIns="45720" rIns="91440" bIns="45720" numCol="1" anchor="t" anchorCtr="0" compatLnSpc="1">
+            <a:prstTxWarp prst="textNoShape">
+              <a:avLst/>
+            </a:prstTxWarp>
+          </a:bodyPr>
+          <a:lstStyle>
+            <a:defPPr>
+              <a:defRPr lang="zh-CN"/>
+            </a:defPPr>
+            <a:lvl1pPr algn="ctr" rtl="0" eaLnBrk="0" fontAlgn="base" hangingPunct="0">
+              <a:spcBef>
+                <a:spcPct val="0"/>
+              </a:spcBef>
+              <a:spcAft>
+                <a:spcPct val="0"/>
+              </a:spcAft>
+              <a:buFont typeface="Arial" pitchFamily="34" charset="0"/>
+              <a:buNone/>
+              <a:defRPr sz="1400" kern="1200">
+                <a:solidFill>
+                  <a:schemeClr val="tx1"/>
+                </a:solidFill>
+                <a:latin typeface="+mn-lt"/>
+                <a:ea typeface="宋体" panose="02010600030101010101" pitchFamily="2" charset="-122"/>
+                <a:cs typeface="+mn-cs"/>
+              </a:defRPr>
+            </a:lvl1pPr>
+            <a:lvl2pPr marL="457200" algn="l" rtl="0" eaLnBrk="0" fontAlgn="base" hangingPunct="0">
+              <a:spcBef>
+                <a:spcPct val="0"/>
+              </a:spcBef>
+              <a:spcAft>
+                <a:spcPct val="0"/>
+              </a:spcAft>
+              <a:defRPr sz="2400" kern="1200">
+                <a:solidFill>
+                  <a:schemeClr val="tx1"/>
+                </a:solidFill>
+                <a:latin typeface="Times New Roman" panose="02020603050405020304" pitchFamily="18" charset="0"/>
+                <a:ea typeface="宋体" panose="02010600030101010101" pitchFamily="2" charset="-122"/>
+                <a:cs typeface="+mn-cs"/>
+              </a:defRPr>
+            </a:lvl2pPr>
+            <a:lvl3pPr marL="914400" algn="l" rtl="0" eaLnBrk="0" fontAlgn="base" hangingPunct="0">
+              <a:spcBef>
+                <a:spcPct val="0"/>
+              </a:spcBef>
+              <a:spcAft>
+                <a:spcPct val="0"/>
+              </a:spcAft>
+              <a:defRPr sz="2400" kern="1200">
+                <a:solidFill>
+                  <a:schemeClr val="tx1"/>
+                </a:solidFill>
+                <a:latin typeface="Times New Roman" panose="02020603050405020304" pitchFamily="18" charset="0"/>
+                <a:ea typeface="宋体" panose="02010600030101010101" pitchFamily="2" charset="-122"/>
+                <a:cs typeface="+mn-cs"/>
+              </a:defRPr>
+            </a:lvl3pPr>
+            <a:lvl4pPr marL="1371600" algn="l" rtl="0" eaLnBrk="0" fontAlgn="base" hangingPunct="0">
+              <a:spcBef>
+                <a:spcPct val="0"/>
+              </a:spcBef>
+              <a:spcAft>
+                <a:spcPct val="0"/>
+              </a:spcAft>
+              <a:defRPr sz="2400" kern="1200">
+                <a:solidFill>
+                  <a:schemeClr val="tx1"/>
+                </a:solidFill>
+                <a:latin typeface="Times New Roman" panose="02020603050405020304" pitchFamily="18" charset="0"/>
+                <a:ea typeface="宋体" panose="02010600030101010101" pitchFamily="2" charset="-122"/>
+                <a:cs typeface="+mn-cs"/>
+              </a:defRPr>
+            </a:lvl4pPr>
+            <a:lvl5pPr marL="1828800" algn="l" rtl="0" eaLnBrk="0" fontAlgn="base" hangingPunct="0">
+              <a:spcBef>
+                <a:spcPct val="0"/>
+              </a:spcBef>
+              <a:spcAft>
+                <a:spcPct val="0"/>
+              </a:spcAft>
+              <a:defRPr sz="2400" kern="1200">
+                <a:solidFill>
+                  <a:schemeClr val="tx1"/>
+                </a:solidFill>
+                <a:latin typeface="Times New Roman" panose="02020603050405020304" pitchFamily="18" charset="0"/>
+                <a:ea typeface="宋体" panose="02010600030101010101" pitchFamily="2" charset="-122"/>
+                <a:cs typeface="+mn-cs"/>
+              </a:defRPr>
+            </a:lvl5pPr>
+            <a:lvl6pPr marL="2286000" algn="l" defTabSz="914400" rtl="0" eaLnBrk="1" latinLnBrk="0" hangingPunct="1">
+              <a:defRPr sz="2400" kern="1200">
+                <a:solidFill>
+                  <a:schemeClr val="tx1"/>
+                </a:solidFill>
+                <a:latin typeface="Times New Roman" panose="02020603050405020304" pitchFamily="18" charset="0"/>
+                <a:ea typeface="宋体" panose="02010600030101010101" pitchFamily="2" charset="-122"/>
+                <a:cs typeface="+mn-cs"/>
+              </a:defRPr>
+            </a:lvl6pPr>
+            <a:lvl7pPr marL="2743200" algn="l" defTabSz="914400" rtl="0" eaLnBrk="1" latinLnBrk="0" hangingPunct="1">
+              <a:defRPr sz="2400" kern="1200">
+                <a:solidFill>
+                  <a:schemeClr val="tx1"/>
+                </a:solidFill>
+                <a:latin typeface="Times New Roman" panose="02020603050405020304" pitchFamily="18" charset="0"/>
+                <a:ea typeface="宋体" panose="02010600030101010101" pitchFamily="2" charset="-122"/>
+                <a:cs typeface="+mn-cs"/>
+              </a:defRPr>
+            </a:lvl7pPr>
+            <a:lvl8pPr marL="3200400" algn="l" defTabSz="914400" rtl="0" eaLnBrk="1" latinLnBrk="0" hangingPunct="1">
+              <a:defRPr sz="2400" kern="1200">
+                <a:solidFill>
+                  <a:schemeClr val="tx1"/>
+                </a:solidFill>
+                <a:latin typeface="Times New Roman" panose="02020603050405020304" pitchFamily="18" charset="0"/>
+                <a:ea typeface="宋体" panose="02010600030101010101" pitchFamily="2" charset="-122"/>
+                <a:cs typeface="+mn-cs"/>
+              </a:defRPr>
+            </a:lvl8pPr>
+            <a:lvl9pPr marL="3657600" algn="l" defTabSz="914400" rtl="0" eaLnBrk="1" latinLnBrk="0" hangingPunct="1">
+              <a:defRPr sz="2400" kern="1200">
+                <a:solidFill>
+                  <a:schemeClr val="tx1"/>
+                </a:solidFill>
+                <a:latin typeface="Times New Roman" panose="02020603050405020304" pitchFamily="18" charset="0"/>
+                <a:ea typeface="宋体" panose="02010600030101010101" pitchFamily="2" charset="-122"/>
+                <a:cs typeface="+mn-cs"/>
+              </a:defRPr>
+            </a:lvl9pPr>
+          </a:lstStyle>
+          <a:p>
+            <a:pPr>
+              <a:defRPr/>
+            </a:pPr>
+            <a:r>
+              <a:rPr lang="en-US" altLang="zh-CN" dirty="0"/>
+              <a:t>5 / 125</a:t>
+            </a:r>
+            <a:endParaRPr lang="en-US" dirty="0"/>
           </a:p>
         </p:txBody>
       </p:sp>
@@ -13761,7 +13937,7 @@
         </p:nvSpPr>
         <p:spPr bwMode="auto">
           <a:xfrm>
-            <a:off x="0" y="5879013"/>
+            <a:off x="0" y="5587451"/>
             <a:ext cx="12108285" cy="646331"/>
           </a:xfrm>
           <a:prstGeom prst="rect">
@@ -13983,24 +14159,14 @@
               <a:defRPr/>
             </a:pPr>
             <a:r>
-              <a:rPr lang="en-US" altLang="zh-CN" sz="1800">
+              <a:rPr lang="en-US" altLang="zh-CN" sz="1800" dirty="0">
                 <a:solidFill>
                   <a:srgbClr val="000000"/>
                 </a:solidFill>
                 <a:latin typeface="Times New Roman" panose="02020603050405020304" pitchFamily="18" charset="0"/>
                 <a:cs typeface="Times New Roman" panose="02020603050405020304" pitchFamily="18" charset="0"/>
               </a:rPr>
-              <a:t>[{{</a:t>
-            </a:r>
-            <a:r>
-              <a:rPr lang="en-US" altLang="zh-CN" sz="1800" dirty="0">
-                <a:solidFill>
-                  <a:srgbClr val="000000"/>
-                </a:solidFill>
-                <a:latin typeface="Times New Roman" panose="02020603050405020304" pitchFamily="18" charset="0"/>
-                <a:cs typeface="Times New Roman" panose="02020603050405020304" pitchFamily="18" charset="0"/>
-              </a:rPr>
-              <a:t>No.}}]</a:t>
+              <a:t>[{{No.}}]</a:t>
             </a:r>
             <a:r>
               <a:rPr kumimoji="0" lang="en-US" altLang="zh-CN" sz="1800" b="0" i="0" u="none" strike="noStrike" kern="1200" cap="none" spc="0" normalizeH="0" baseline="0" noProof="0" dirty="0">
@@ -14017,7 +14183,7 @@
                 <a:ea typeface="宋体" panose="02010600030101010101" pitchFamily="2" charset="-122"/>
                 <a:cs typeface="Times New Roman" panose="02020603050405020304" pitchFamily="18" charset="0"/>
               </a:rPr>
-              <a:t>.	{{reference}}</a:t>
+              <a:t>. {{reference}}</a:t>
             </a:r>
           </a:p>
         </p:txBody>
@@ -14230,44 +14396,175 @@
       </p:sp>
       <p:sp>
         <p:nvSpPr>
-          <p:cNvPr id="2" name="页脚占位符 1">
+          <p:cNvPr id="4" name="页脚占位符 1">
             <a:extLst>
               <a:ext uri="{FF2B5EF4-FFF2-40B4-BE49-F238E27FC236}">
-                <a16:creationId xmlns:a16="http://schemas.microsoft.com/office/drawing/2014/main" id="{2A97B23B-6CF5-CC7C-8B20-B88FA118C35B}"/>
+                <a16:creationId xmlns:a16="http://schemas.microsoft.com/office/drawing/2014/main" id="{F6A5E8F7-1D10-F617-B451-AF3088533236}"/>
               </a:ext>
             </a:extLst>
           </p:cNvPr>
-          <p:cNvSpPr>
-            <a:spLocks noGrp="1"/>
+          <p:cNvSpPr txBox="1">
+            <a:spLocks/>
           </p:cNvSpPr>
-          <p:nvPr>
-            <p:ph type="ftr" sz="quarter" idx="11"/>
-          </p:nvPr>
+          <p:nvPr/>
         </p:nvSpPr>
-        <p:spPr>
+        <p:spPr bwMode="auto">
           <a:xfrm>
             <a:off x="5055607" y="6525344"/>
-            <a:ext cx="2080781" cy="332656"/>
+            <a:ext cx="2336537" cy="332656"/>
           </a:xfrm>
+          <a:prstGeom prst="rect">
+            <a:avLst/>
+          </a:prstGeom>
+          <a:noFill/>
+          <a:ln w="9525">
+            <a:noFill/>
+            <a:miter lim="800000"/>
+            <a:headEnd/>
+            <a:tailEnd/>
+          </a:ln>
+          <a:effectLst/>
         </p:spPr>
         <p:txBody>
-          <a:bodyPr/>
-          <a:lstStyle/>
+          <a:bodyPr vert="horz" wrap="square" lIns="91440" tIns="45720" rIns="91440" bIns="45720" numCol="1" anchor="t" anchorCtr="0" compatLnSpc="1">
+            <a:prstTxWarp prst="textNoShape">
+              <a:avLst/>
+            </a:prstTxWarp>
+          </a:bodyPr>
+          <a:lstStyle>
+            <a:defPPr>
+              <a:defRPr lang="zh-CN"/>
+            </a:defPPr>
+            <a:lvl1pPr algn="ctr" rtl="0" eaLnBrk="0" fontAlgn="base" hangingPunct="0">
+              <a:spcBef>
+                <a:spcPct val="0"/>
+              </a:spcBef>
+              <a:spcAft>
+                <a:spcPct val="0"/>
+              </a:spcAft>
+              <a:buFont typeface="Arial" pitchFamily="34" charset="0"/>
+              <a:buNone/>
+              <a:defRPr sz="1400" kern="1200">
+                <a:solidFill>
+                  <a:schemeClr val="tx1"/>
+                </a:solidFill>
+                <a:latin typeface="+mn-lt"/>
+                <a:ea typeface="宋体" panose="02010600030101010101" pitchFamily="2" charset="-122"/>
+                <a:cs typeface="+mn-cs"/>
+              </a:defRPr>
+            </a:lvl1pPr>
+            <a:lvl2pPr marL="457200" algn="l" rtl="0" eaLnBrk="0" fontAlgn="base" hangingPunct="0">
+              <a:spcBef>
+                <a:spcPct val="0"/>
+              </a:spcBef>
+              <a:spcAft>
+                <a:spcPct val="0"/>
+              </a:spcAft>
+              <a:defRPr sz="2400" kern="1200">
+                <a:solidFill>
+                  <a:schemeClr val="tx1"/>
+                </a:solidFill>
+                <a:latin typeface="Times New Roman" panose="02020603050405020304" pitchFamily="18" charset="0"/>
+                <a:ea typeface="宋体" panose="02010600030101010101" pitchFamily="2" charset="-122"/>
+                <a:cs typeface="+mn-cs"/>
+              </a:defRPr>
+            </a:lvl2pPr>
+            <a:lvl3pPr marL="914400" algn="l" rtl="0" eaLnBrk="0" fontAlgn="base" hangingPunct="0">
+              <a:spcBef>
+                <a:spcPct val="0"/>
+              </a:spcBef>
+              <a:spcAft>
+                <a:spcPct val="0"/>
+              </a:spcAft>
+              <a:defRPr sz="2400" kern="1200">
+                <a:solidFill>
+                  <a:schemeClr val="tx1"/>
+                </a:solidFill>
+                <a:latin typeface="Times New Roman" panose="02020603050405020304" pitchFamily="18" charset="0"/>
+                <a:ea typeface="宋体" panose="02010600030101010101" pitchFamily="2" charset="-122"/>
+                <a:cs typeface="+mn-cs"/>
+              </a:defRPr>
+            </a:lvl3pPr>
+            <a:lvl4pPr marL="1371600" algn="l" rtl="0" eaLnBrk="0" fontAlgn="base" hangingPunct="0">
+              <a:spcBef>
+                <a:spcPct val="0"/>
+              </a:spcBef>
+              <a:spcAft>
+                <a:spcPct val="0"/>
+              </a:spcAft>
+              <a:defRPr sz="2400" kern="1200">
+                <a:solidFill>
+                  <a:schemeClr val="tx1"/>
+                </a:solidFill>
+                <a:latin typeface="Times New Roman" panose="02020603050405020304" pitchFamily="18" charset="0"/>
+                <a:ea typeface="宋体" panose="02010600030101010101" pitchFamily="2" charset="-122"/>
+                <a:cs typeface="+mn-cs"/>
+              </a:defRPr>
+            </a:lvl4pPr>
+            <a:lvl5pPr marL="1828800" algn="l" rtl="0" eaLnBrk="0" fontAlgn="base" hangingPunct="0">
+              <a:spcBef>
+                <a:spcPct val="0"/>
+              </a:spcBef>
+              <a:spcAft>
+                <a:spcPct val="0"/>
+              </a:spcAft>
+              <a:defRPr sz="2400" kern="1200">
+                <a:solidFill>
+                  <a:schemeClr val="tx1"/>
+                </a:solidFill>
+                <a:latin typeface="Times New Roman" panose="02020603050405020304" pitchFamily="18" charset="0"/>
+                <a:ea typeface="宋体" panose="02010600030101010101" pitchFamily="2" charset="-122"/>
+                <a:cs typeface="+mn-cs"/>
+              </a:defRPr>
+            </a:lvl5pPr>
+            <a:lvl6pPr marL="2286000" algn="l" defTabSz="914400" rtl="0" eaLnBrk="1" latinLnBrk="0" hangingPunct="1">
+              <a:defRPr sz="2400" kern="1200">
+                <a:solidFill>
+                  <a:schemeClr val="tx1"/>
+                </a:solidFill>
+                <a:latin typeface="Times New Roman" panose="02020603050405020304" pitchFamily="18" charset="0"/>
+                <a:ea typeface="宋体" panose="02010600030101010101" pitchFamily="2" charset="-122"/>
+                <a:cs typeface="+mn-cs"/>
+              </a:defRPr>
+            </a:lvl6pPr>
+            <a:lvl7pPr marL="2743200" algn="l" defTabSz="914400" rtl="0" eaLnBrk="1" latinLnBrk="0" hangingPunct="1">
+              <a:defRPr sz="2400" kern="1200">
+                <a:solidFill>
+                  <a:schemeClr val="tx1"/>
+                </a:solidFill>
+                <a:latin typeface="Times New Roman" panose="02020603050405020304" pitchFamily="18" charset="0"/>
+                <a:ea typeface="宋体" panose="02010600030101010101" pitchFamily="2" charset="-122"/>
+                <a:cs typeface="+mn-cs"/>
+              </a:defRPr>
+            </a:lvl7pPr>
+            <a:lvl8pPr marL="3200400" algn="l" defTabSz="914400" rtl="0" eaLnBrk="1" latinLnBrk="0" hangingPunct="1">
+              <a:defRPr sz="2400" kern="1200">
+                <a:solidFill>
+                  <a:schemeClr val="tx1"/>
+                </a:solidFill>
+                <a:latin typeface="Times New Roman" panose="02020603050405020304" pitchFamily="18" charset="0"/>
+                <a:ea typeface="宋体" panose="02010600030101010101" pitchFamily="2" charset="-122"/>
+                <a:cs typeface="+mn-cs"/>
+              </a:defRPr>
+            </a:lvl8pPr>
+            <a:lvl9pPr marL="3657600" algn="l" defTabSz="914400" rtl="0" eaLnBrk="1" latinLnBrk="0" hangingPunct="1">
+              <a:defRPr sz="2400" kern="1200">
+                <a:solidFill>
+                  <a:schemeClr val="tx1"/>
+                </a:solidFill>
+                <a:latin typeface="Times New Roman" panose="02020603050405020304" pitchFamily="18" charset="0"/>
+                <a:ea typeface="宋体" panose="02010600030101010101" pitchFamily="2" charset="-122"/>
+                <a:cs typeface="+mn-cs"/>
+              </a:defRPr>
+            </a:lvl9pPr>
+          </a:lstStyle>
           <a:p>
             <a:pPr>
               <a:defRPr/>
             </a:pPr>
             <a:r>
               <a:rPr lang="en-US" altLang="zh-CN" dirty="0"/>
-              <a:t>{{Pages}}/{{</a:t>
-            </a:r>
-            <a:r>
-              <a:rPr lang="en-US" altLang="zh-CN" dirty="0" err="1"/>
-              <a:t>totalpages</a:t>
-            </a:r>
-            <a:r>
-              <a:rPr lang="en-US" altLang="zh-CN" dirty="0"/>
-              <a:t>}}</a:t>
+              <a:t>{{Pages}} </a:t>
             </a:r>
             <a:endParaRPr lang="en-US" dirty="0"/>
           </a:p>
@@ -14472,7 +14769,7 @@
         <p:spPr>
           <a:xfrm>
             <a:off x="674544" y="1586409"/>
-            <a:ext cx="5905644" cy="369332"/>
+            <a:ext cx="5905644" cy="338554"/>
           </a:xfrm>
           <a:prstGeom prst="rect">
             <a:avLst/>
@@ -14487,13 +14784,13 @@
           <a:p>
             <a:pPr algn="just"/>
             <a:r>
-              <a:rPr lang="en-US" altLang="zh-CN" sz="1800" dirty="0">
+              <a:rPr lang="en-US" altLang="zh-CN" sz="1600" dirty="0">
                 <a:ea typeface="黑体" panose="02010609060101010101" pitchFamily="49" charset="-122"/>
                 <a:cs typeface="Times New Roman" panose="02020603050405020304" pitchFamily="18" charset="0"/>
               </a:rPr>
               <a:t>{{problems}}</a:t>
             </a:r>
-            <a:endParaRPr lang="zh-CN" altLang="en-US" sz="1800" dirty="0">
+            <a:endParaRPr lang="zh-CN" altLang="en-US" sz="1600" dirty="0">
               <a:ea typeface="黑体" panose="02010609060101010101" pitchFamily="49" charset="-122"/>
               <a:cs typeface="Times New Roman" panose="02020603050405020304" pitchFamily="18" charset="0"/>
             </a:endParaRPr>
@@ -14515,7 +14812,7 @@
         <p:spPr>
           <a:xfrm>
             <a:off x="640330" y="3845947"/>
-            <a:ext cx="5997520" cy="369332"/>
+            <a:ext cx="5997520" cy="338554"/>
           </a:xfrm>
           <a:prstGeom prst="rect">
             <a:avLst/>
@@ -14540,10 +14837,10 @@
           <a:p>
             <a:pPr algn="just"/>
             <a:r>
-              <a:rPr lang="en-US" altLang="zh-CN" dirty="0"/>
+              <a:rPr lang="en-US" altLang="zh-CN" sz="1600" dirty="0"/>
               <a:t>{{methods}}</a:t>
             </a:r>
-            <a:endParaRPr lang="zh-CN" altLang="en-US" dirty="0"/>
+            <a:endParaRPr lang="zh-CN" altLang="en-US" sz="1600" dirty="0"/>
           </a:p>
         </p:txBody>
       </p:sp>
@@ -14632,41 +14929,172 @@
           <p:cNvPr id="2" name="页脚占位符 1">
             <a:extLst>
               <a:ext uri="{FF2B5EF4-FFF2-40B4-BE49-F238E27FC236}">
-                <a16:creationId xmlns:a16="http://schemas.microsoft.com/office/drawing/2014/main" id="{100F2ABD-5F24-7973-96A0-D727A3EEB963}"/>
+                <a16:creationId xmlns:a16="http://schemas.microsoft.com/office/drawing/2014/main" id="{517FB3B6-94D5-DE3D-0030-A10ACF95FDE2}"/>
               </a:ext>
             </a:extLst>
           </p:cNvPr>
-          <p:cNvSpPr>
-            <a:spLocks noGrp="1"/>
+          <p:cNvSpPr txBox="1">
+            <a:spLocks/>
           </p:cNvSpPr>
-          <p:nvPr>
-            <p:ph type="ftr" sz="quarter" idx="11"/>
-          </p:nvPr>
+          <p:nvPr/>
         </p:nvSpPr>
-        <p:spPr>
+        <p:spPr bwMode="auto">
           <a:xfrm>
             <a:off x="5055607" y="6525344"/>
-            <a:ext cx="2080781" cy="332656"/>
+            <a:ext cx="2336537" cy="332656"/>
           </a:xfrm>
+          <a:prstGeom prst="rect">
+            <a:avLst/>
+          </a:prstGeom>
+          <a:noFill/>
+          <a:ln w="9525">
+            <a:noFill/>
+            <a:miter lim="800000"/>
+            <a:headEnd/>
+            <a:tailEnd/>
+          </a:ln>
+          <a:effectLst/>
         </p:spPr>
         <p:txBody>
-          <a:bodyPr/>
-          <a:lstStyle/>
+          <a:bodyPr vert="horz" wrap="square" lIns="91440" tIns="45720" rIns="91440" bIns="45720" numCol="1" anchor="t" anchorCtr="0" compatLnSpc="1">
+            <a:prstTxWarp prst="textNoShape">
+              <a:avLst/>
+            </a:prstTxWarp>
+          </a:bodyPr>
+          <a:lstStyle>
+            <a:defPPr>
+              <a:defRPr lang="zh-CN"/>
+            </a:defPPr>
+            <a:lvl1pPr algn="ctr" rtl="0" eaLnBrk="0" fontAlgn="base" hangingPunct="0">
+              <a:spcBef>
+                <a:spcPct val="0"/>
+              </a:spcBef>
+              <a:spcAft>
+                <a:spcPct val="0"/>
+              </a:spcAft>
+              <a:buFont typeface="Arial" pitchFamily="34" charset="0"/>
+              <a:buNone/>
+              <a:defRPr sz="1400" kern="1200">
+                <a:solidFill>
+                  <a:schemeClr val="tx1"/>
+                </a:solidFill>
+                <a:latin typeface="+mn-lt"/>
+                <a:ea typeface="宋体" panose="02010600030101010101" pitchFamily="2" charset="-122"/>
+                <a:cs typeface="+mn-cs"/>
+              </a:defRPr>
+            </a:lvl1pPr>
+            <a:lvl2pPr marL="457200" algn="l" rtl="0" eaLnBrk="0" fontAlgn="base" hangingPunct="0">
+              <a:spcBef>
+                <a:spcPct val="0"/>
+              </a:spcBef>
+              <a:spcAft>
+                <a:spcPct val="0"/>
+              </a:spcAft>
+              <a:defRPr sz="2400" kern="1200">
+                <a:solidFill>
+                  <a:schemeClr val="tx1"/>
+                </a:solidFill>
+                <a:latin typeface="Times New Roman" panose="02020603050405020304" pitchFamily="18" charset="0"/>
+                <a:ea typeface="宋体" panose="02010600030101010101" pitchFamily="2" charset="-122"/>
+                <a:cs typeface="+mn-cs"/>
+              </a:defRPr>
+            </a:lvl2pPr>
+            <a:lvl3pPr marL="914400" algn="l" rtl="0" eaLnBrk="0" fontAlgn="base" hangingPunct="0">
+              <a:spcBef>
+                <a:spcPct val="0"/>
+              </a:spcBef>
+              <a:spcAft>
+                <a:spcPct val="0"/>
+              </a:spcAft>
+              <a:defRPr sz="2400" kern="1200">
+                <a:solidFill>
+                  <a:schemeClr val="tx1"/>
+                </a:solidFill>
+                <a:latin typeface="Times New Roman" panose="02020603050405020304" pitchFamily="18" charset="0"/>
+                <a:ea typeface="宋体" panose="02010600030101010101" pitchFamily="2" charset="-122"/>
+                <a:cs typeface="+mn-cs"/>
+              </a:defRPr>
+            </a:lvl3pPr>
+            <a:lvl4pPr marL="1371600" algn="l" rtl="0" eaLnBrk="0" fontAlgn="base" hangingPunct="0">
+              <a:spcBef>
+                <a:spcPct val="0"/>
+              </a:spcBef>
+              <a:spcAft>
+                <a:spcPct val="0"/>
+              </a:spcAft>
+              <a:defRPr sz="2400" kern="1200">
+                <a:solidFill>
+                  <a:schemeClr val="tx1"/>
+                </a:solidFill>
+                <a:latin typeface="Times New Roman" panose="02020603050405020304" pitchFamily="18" charset="0"/>
+                <a:ea typeface="宋体" panose="02010600030101010101" pitchFamily="2" charset="-122"/>
+                <a:cs typeface="+mn-cs"/>
+              </a:defRPr>
+            </a:lvl4pPr>
+            <a:lvl5pPr marL="1828800" algn="l" rtl="0" eaLnBrk="0" fontAlgn="base" hangingPunct="0">
+              <a:spcBef>
+                <a:spcPct val="0"/>
+              </a:spcBef>
+              <a:spcAft>
+                <a:spcPct val="0"/>
+              </a:spcAft>
+              <a:defRPr sz="2400" kern="1200">
+                <a:solidFill>
+                  <a:schemeClr val="tx1"/>
+                </a:solidFill>
+                <a:latin typeface="Times New Roman" panose="02020603050405020304" pitchFamily="18" charset="0"/>
+                <a:ea typeface="宋体" panose="02010600030101010101" pitchFamily="2" charset="-122"/>
+                <a:cs typeface="+mn-cs"/>
+              </a:defRPr>
+            </a:lvl5pPr>
+            <a:lvl6pPr marL="2286000" algn="l" defTabSz="914400" rtl="0" eaLnBrk="1" latinLnBrk="0" hangingPunct="1">
+              <a:defRPr sz="2400" kern="1200">
+                <a:solidFill>
+                  <a:schemeClr val="tx1"/>
+                </a:solidFill>
+                <a:latin typeface="Times New Roman" panose="02020603050405020304" pitchFamily="18" charset="0"/>
+                <a:ea typeface="宋体" panose="02010600030101010101" pitchFamily="2" charset="-122"/>
+                <a:cs typeface="+mn-cs"/>
+              </a:defRPr>
+            </a:lvl6pPr>
+            <a:lvl7pPr marL="2743200" algn="l" defTabSz="914400" rtl="0" eaLnBrk="1" latinLnBrk="0" hangingPunct="1">
+              <a:defRPr sz="2400" kern="1200">
+                <a:solidFill>
+                  <a:schemeClr val="tx1"/>
+                </a:solidFill>
+                <a:latin typeface="Times New Roman" panose="02020603050405020304" pitchFamily="18" charset="0"/>
+                <a:ea typeface="宋体" panose="02010600030101010101" pitchFamily="2" charset="-122"/>
+                <a:cs typeface="+mn-cs"/>
+              </a:defRPr>
+            </a:lvl7pPr>
+            <a:lvl8pPr marL="3200400" algn="l" defTabSz="914400" rtl="0" eaLnBrk="1" latinLnBrk="0" hangingPunct="1">
+              <a:defRPr sz="2400" kern="1200">
+                <a:solidFill>
+                  <a:schemeClr val="tx1"/>
+                </a:solidFill>
+                <a:latin typeface="Times New Roman" panose="02020603050405020304" pitchFamily="18" charset="0"/>
+                <a:ea typeface="宋体" panose="02010600030101010101" pitchFamily="2" charset="-122"/>
+                <a:cs typeface="+mn-cs"/>
+              </a:defRPr>
+            </a:lvl8pPr>
+            <a:lvl9pPr marL="3657600" algn="l" defTabSz="914400" rtl="0" eaLnBrk="1" latinLnBrk="0" hangingPunct="1">
+              <a:defRPr sz="2400" kern="1200">
+                <a:solidFill>
+                  <a:schemeClr val="tx1"/>
+                </a:solidFill>
+                <a:latin typeface="Times New Roman" panose="02020603050405020304" pitchFamily="18" charset="0"/>
+                <a:ea typeface="宋体" panose="02010600030101010101" pitchFamily="2" charset="-122"/>
+                <a:cs typeface="+mn-cs"/>
+              </a:defRPr>
+            </a:lvl9pPr>
+          </a:lstStyle>
           <a:p>
             <a:pPr>
               <a:defRPr/>
             </a:pPr>
             <a:r>
               <a:rPr lang="en-US" altLang="zh-CN" dirty="0"/>
-              <a:t>{{Pages}}/{{</a:t>
-            </a:r>
-            <a:r>
-              <a:rPr lang="en-US" altLang="zh-CN" dirty="0" err="1"/>
-              <a:t>totalpages</a:t>
-            </a:r>
-            <a:r>
-              <a:rPr lang="en-US" altLang="zh-CN" dirty="0"/>
-              <a:t>}}</a:t>
+              <a:t>{{Pages}} </a:t>
             </a:r>
             <a:endParaRPr lang="en-US" dirty="0"/>
           </a:p>
@@ -14785,7 +15213,7 @@
         <p:spPr>
           <a:xfrm>
             <a:off x="299127" y="1063326"/>
-            <a:ext cx="6098192" cy="369332"/>
+            <a:ext cx="6098192" cy="338554"/>
           </a:xfrm>
           <a:prstGeom prst="rect">
             <a:avLst/>
@@ -14800,13 +15228,13 @@
           <a:p>
             <a:pPr algn="just"/>
             <a:r>
-              <a:rPr lang="en-US" altLang="zh-CN" sz="1800" dirty="0">
+              <a:rPr lang="en-US" altLang="zh-CN" sz="1600" dirty="0">
                 <a:ea typeface="黑体" panose="02010609060101010101" pitchFamily="49" charset="-122"/>
                 <a:cs typeface="Times New Roman" panose="02020603050405020304" pitchFamily="18" charset="0"/>
               </a:rPr>
               <a:t>{{results}}</a:t>
             </a:r>
-            <a:endParaRPr lang="zh-CN" altLang="en-US" sz="1800" dirty="0">
+            <a:endParaRPr lang="zh-CN" altLang="en-US" sz="1600" dirty="0">
               <a:ea typeface="黑体" panose="02010609060101010101" pitchFamily="49" charset="-122"/>
               <a:cs typeface="Times New Roman" panose="02020603050405020304" pitchFamily="18" charset="0"/>
             </a:endParaRPr>
@@ -14815,10 +15243,10 @@
       </p:sp>
       <p:sp>
         <p:nvSpPr>
-          <p:cNvPr id="4" name="页脚占位符 1">
+          <p:cNvPr id="2" name="页脚占位符 1">
             <a:extLst>
               <a:ext uri="{FF2B5EF4-FFF2-40B4-BE49-F238E27FC236}">
-                <a16:creationId xmlns:a16="http://schemas.microsoft.com/office/drawing/2014/main" id="{F7DFD644-1248-659A-258B-3F29FC9DE700}"/>
+                <a16:creationId xmlns:a16="http://schemas.microsoft.com/office/drawing/2014/main" id="{A04A0C59-F0B1-2B7E-BC2D-ED71991F5271}"/>
               </a:ext>
             </a:extLst>
           </p:cNvPr>
@@ -14830,7 +15258,7 @@
         <p:spPr bwMode="auto">
           <a:xfrm>
             <a:off x="5055607" y="6525344"/>
-            <a:ext cx="2080781" cy="332656"/>
+            <a:ext cx="2336537" cy="332656"/>
           </a:xfrm>
           <a:prstGeom prst="rect">
             <a:avLst/>
@@ -14982,8 +15410,8 @@
               <a:defRPr/>
             </a:pPr>
             <a:r>
-              <a:rPr lang="en-US" altLang="zh-CN"/>
-              <a:t>{{Pages}}/{{totalpages}}</a:t>
+              <a:rPr lang="en-US" altLang="zh-CN" dirty="0"/>
+              <a:t>{{Pages}} </a:t>
             </a:r>
             <a:endParaRPr lang="en-US" dirty="0"/>
           </a:p>
@@ -15358,8 +15786,8 @@
               <a:defRPr/>
             </a:pPr>
             <a:r>
-              <a:rPr lang="en-US" altLang="zh-CN"/>
-              <a:t>{{Pages}}/{{totalpages}}</a:t>
+              <a:rPr lang="en-US" altLang="zh-CN" dirty="0"/>
+              <a:t>125 / 125</a:t>
             </a:r>
             <a:endParaRPr lang="en-US" dirty="0"/>
           </a:p>

--- a/template.pptx
+++ b/template.pptx
@@ -15212,8 +15212,8 @@
         </p:nvSpPr>
         <p:spPr>
           <a:xfrm>
-            <a:off x="299127" y="1063326"/>
-            <a:ext cx="6098192" cy="338554"/>
+            <a:off x="335360" y="1063326"/>
+            <a:ext cx="11521279" cy="338554"/>
           </a:xfrm>
           <a:prstGeom prst="rect">
             <a:avLst/>

--- a/template.pptx
+++ b/template.pptx
@@ -8949,20 +8949,6 @@
               <a:defRPr/>
             </a:pPr>
             <a:r>
-              <a:rPr lang="zh-CN" altLang="en-US" sz="2800" b="1" dirty="0">
-                <a:solidFill>
-                  <a:srgbClr val="000000"/>
-                </a:solidFill>
-                <a:effectLst>
-                  <a:outerShdw blurRad="38100" dist="38100" dir="2700000" algn="tl">
-                    <a:srgbClr val="C0C0C0"/>
-                  </a:outerShdw>
-                </a:effectLst>
-                <a:ea typeface="黑体" pitchFamily="49" charset="-122"/>
-              </a:rPr>
-              <a:t>马佳林</a:t>
-            </a:r>
-            <a:r>
               <a:rPr kumimoji="0" lang="en-US" altLang="zh-CN" sz="2800" b="1" i="0" u="none" strike="noStrike" kern="1200" cap="none" spc="0" normalizeH="0" baseline="0" noProof="0" dirty="0">
                 <a:ln>
                   <a:noFill/>
@@ -8981,7 +8967,7 @@
                 <a:ea typeface="黑体" pitchFamily="49" charset="-122"/>
                 <a:cs typeface="+mn-cs"/>
               </a:rPr>
-              <a:t>      </a:t>
+              <a:t>XXX      </a:t>
             </a:r>
           </a:p>
         </p:txBody>

--- a/template.pptx
+++ b/template.pptx
@@ -287,7 +287,7 @@
               <a:pPr>
                 <a:defRPr/>
               </a:pPr>
-              <a:t>2025/6/28</a:t>
+              <a:t>2025/11/14</a:t>
             </a:fld>
             <a:endParaRPr lang="zh-CN" altLang="en-US"/>
           </a:p>
@@ -14601,7 +14601,7 @@
         </p:nvSpPr>
         <p:spPr>
           <a:xfrm>
-            <a:off x="682498" y="1124744"/>
+            <a:off x="241796" y="1420964"/>
             <a:ext cx="6094990" cy="461665"/>
           </a:xfrm>
           <a:prstGeom prst="rect">
@@ -14670,7 +14670,7 @@
         </p:nvSpPr>
         <p:spPr>
           <a:xfrm>
-            <a:off x="674544" y="3356992"/>
+            <a:off x="241796" y="3432833"/>
             <a:ext cx="4630067" cy="461665"/>
           </a:xfrm>
           <a:prstGeom prst="rect">
@@ -14754,7 +14754,7 @@
         </p:nvSpPr>
         <p:spPr>
           <a:xfrm>
-            <a:off x="674544" y="1586409"/>
+            <a:off x="241796" y="1781367"/>
             <a:ext cx="5905644" cy="338554"/>
           </a:xfrm>
           <a:prstGeom prst="rect">
@@ -14797,7 +14797,7 @@
         </p:nvSpPr>
         <p:spPr>
           <a:xfrm>
-            <a:off x="640330" y="3845947"/>
+            <a:off x="241796" y="3831345"/>
             <a:ext cx="5997520" cy="338554"/>
           </a:xfrm>
           <a:prstGeom prst="rect">
@@ -15083,6 +15083,59 @@
               <a:t>{{Pages}} </a:t>
             </a:r>
             <a:endParaRPr lang="en-US" dirty="0"/>
+          </a:p>
+        </p:txBody>
+      </p:sp>
+      <p:sp>
+        <p:nvSpPr>
+          <p:cNvPr id="3" name="文本框 2">
+            <a:extLst>
+              <a:ext uri="{FF2B5EF4-FFF2-40B4-BE49-F238E27FC236}">
+                <a16:creationId xmlns:a16="http://schemas.microsoft.com/office/drawing/2014/main" id="{DFC75B7A-20A2-2DEC-2819-8BD1ED97379D}"/>
+              </a:ext>
+            </a:extLst>
+          </p:cNvPr>
+          <p:cNvSpPr txBox="1"/>
+          <p:nvPr/>
+        </p:nvSpPr>
+        <p:spPr>
+          <a:xfrm>
+            <a:off x="241796" y="843930"/>
+            <a:ext cx="11758859" cy="584775"/>
+          </a:xfrm>
+          <a:prstGeom prst="rect">
+            <a:avLst/>
+          </a:prstGeom>
+          <a:noFill/>
+        </p:spPr>
+        <p:txBody>
+          <a:bodyPr wrap="square">
+            <a:spAutoFit/>
+          </a:bodyPr>
+          <a:lstStyle/>
+          <a:p>
+            <a:pPr algn="just"/>
+            <a:r>
+              <a:rPr lang="en-US" altLang="zh-CN" sz="1600" dirty="0">
+                <a:ea typeface="黑体" panose="02010609060101010101" pitchFamily="49" charset="-122"/>
+                <a:cs typeface="Times New Roman" panose="02020603050405020304" pitchFamily="18" charset="0"/>
+              </a:rPr>
+              <a:t>{{phenomenon}}</a:t>
+            </a:r>
+          </a:p>
+          <a:p>
+            <a:pPr algn="just"/>
+            <a:r>
+              <a:rPr lang="en-US" altLang="zh-CN" sz="1600" dirty="0">
+                <a:ea typeface="黑体" panose="02010609060101010101" pitchFamily="49" charset="-122"/>
+                <a:cs typeface="Times New Roman" panose="02020603050405020304" pitchFamily="18" charset="0"/>
+              </a:rPr>
+              <a:t>{{phenomenon}}</a:t>
+            </a:r>
+            <a:endParaRPr lang="zh-CN" altLang="en-US" sz="1600" dirty="0">
+              <a:ea typeface="黑体" panose="02010609060101010101" pitchFamily="49" charset="-122"/>
+              <a:cs typeface="Times New Roman" panose="02020603050405020304" pitchFamily="18" charset="0"/>
+            </a:endParaRPr>
           </a:p>
         </p:txBody>
       </p:sp>

--- a/template.pptx
+++ b/template.pptx
@@ -15101,7 +15101,7 @@
         <p:spPr>
           <a:xfrm>
             <a:off x="241796" y="843930"/>
-            <a:ext cx="11758859" cy="584775"/>
+            <a:ext cx="11758859" cy="338554"/>
           </a:xfrm>
           <a:prstGeom prst="rect">
             <a:avLst/>
@@ -15122,20 +15122,6 @@
               </a:rPr>
               <a:t>{{phenomenon}}</a:t>
             </a:r>
-          </a:p>
-          <a:p>
-            <a:pPr algn="just"/>
-            <a:r>
-              <a:rPr lang="en-US" altLang="zh-CN" sz="1600" dirty="0">
-                <a:ea typeface="黑体" panose="02010609060101010101" pitchFamily="49" charset="-122"/>
-                <a:cs typeface="Times New Roman" panose="02020603050405020304" pitchFamily="18" charset="0"/>
-              </a:rPr>
-              <a:t>{{phenomenon}}</a:t>
-            </a:r>
-            <a:endParaRPr lang="zh-CN" altLang="en-US" sz="1600" dirty="0">
-              <a:ea typeface="黑体" panose="02010609060101010101" pitchFamily="49" charset="-122"/>
-              <a:cs typeface="Times New Roman" panose="02020603050405020304" pitchFamily="18" charset="0"/>
-            </a:endParaRPr>
           </a:p>
         </p:txBody>
       </p:sp>
